--- a/Belbi 2024/eposterV01.pptx
+++ b/Belbi 2024/eposterV01.pptx
@@ -209,7 +209,7 @@
           <a:p>
             <a:fld id="{ACE801F8-E0C9-42E8-8F12-5BA1CE8E383F}" type="datetimeFigureOut">
               <a:rPr lang="en-US" smtClean="0"/>
-              <a:t>6/5/2024</a:t>
+              <a:t>6/7/2024</a:t>
             </a:fld>
             <a:endParaRPr lang="en-US"/>
           </a:p>
@@ -689,7 +689,7 @@
           <a:p>
             <a:fld id="{C1BEFDB8-C83E-451A-8C3E-B7D926492642}" type="datetimeFigureOut">
               <a:rPr lang="en-US" smtClean="0"/>
-              <a:t>6/5/2024</a:t>
+              <a:t>6/7/2024</a:t>
             </a:fld>
             <a:endParaRPr lang="en-US"/>
           </a:p>
@@ -857,7 +857,7 @@
           <a:p>
             <a:fld id="{C1BEFDB8-C83E-451A-8C3E-B7D926492642}" type="datetimeFigureOut">
               <a:rPr lang="en-US" smtClean="0"/>
-              <a:t>6/5/2024</a:t>
+              <a:t>6/7/2024</a:t>
             </a:fld>
             <a:endParaRPr lang="en-US"/>
           </a:p>
@@ -1035,7 +1035,7 @@
           <a:p>
             <a:fld id="{C1BEFDB8-C83E-451A-8C3E-B7D926492642}" type="datetimeFigureOut">
               <a:rPr lang="en-US" smtClean="0"/>
-              <a:t>6/5/2024</a:t>
+              <a:t>6/7/2024</a:t>
             </a:fld>
             <a:endParaRPr lang="en-US"/>
           </a:p>
@@ -1203,7 +1203,7 @@
           <a:p>
             <a:fld id="{C1BEFDB8-C83E-451A-8C3E-B7D926492642}" type="datetimeFigureOut">
               <a:rPr lang="en-US" smtClean="0"/>
-              <a:t>6/5/2024</a:t>
+              <a:t>6/7/2024</a:t>
             </a:fld>
             <a:endParaRPr lang="en-US"/>
           </a:p>
@@ -1448,7 +1448,7 @@
           <a:p>
             <a:fld id="{C1BEFDB8-C83E-451A-8C3E-B7D926492642}" type="datetimeFigureOut">
               <a:rPr lang="en-US" smtClean="0"/>
-              <a:t>6/5/2024</a:t>
+              <a:t>6/7/2024</a:t>
             </a:fld>
             <a:endParaRPr lang="en-US"/>
           </a:p>
@@ -1677,7 +1677,7 @@
           <a:p>
             <a:fld id="{C1BEFDB8-C83E-451A-8C3E-B7D926492642}" type="datetimeFigureOut">
               <a:rPr lang="en-US" smtClean="0"/>
-              <a:t>6/5/2024</a:t>
+              <a:t>6/7/2024</a:t>
             </a:fld>
             <a:endParaRPr lang="en-US"/>
           </a:p>
@@ -2041,7 +2041,7 @@
           <a:p>
             <a:fld id="{C1BEFDB8-C83E-451A-8C3E-B7D926492642}" type="datetimeFigureOut">
               <a:rPr lang="en-US" smtClean="0"/>
-              <a:t>6/5/2024</a:t>
+              <a:t>6/7/2024</a:t>
             </a:fld>
             <a:endParaRPr lang="en-US"/>
           </a:p>
@@ -2158,7 +2158,7 @@
           <a:p>
             <a:fld id="{C1BEFDB8-C83E-451A-8C3E-B7D926492642}" type="datetimeFigureOut">
               <a:rPr lang="en-US" smtClean="0"/>
-              <a:t>6/5/2024</a:t>
+              <a:t>6/7/2024</a:t>
             </a:fld>
             <a:endParaRPr lang="en-US"/>
           </a:p>
@@ -2253,7 +2253,7 @@
           <a:p>
             <a:fld id="{C1BEFDB8-C83E-451A-8C3E-B7D926492642}" type="datetimeFigureOut">
               <a:rPr lang="en-US" smtClean="0"/>
-              <a:t>6/5/2024</a:t>
+              <a:t>6/7/2024</a:t>
             </a:fld>
             <a:endParaRPr lang="en-US"/>
           </a:p>
@@ -2528,7 +2528,7 @@
           <a:p>
             <a:fld id="{C1BEFDB8-C83E-451A-8C3E-B7D926492642}" type="datetimeFigureOut">
               <a:rPr lang="en-US" smtClean="0"/>
-              <a:t>6/5/2024</a:t>
+              <a:t>6/7/2024</a:t>
             </a:fld>
             <a:endParaRPr lang="en-US"/>
           </a:p>
@@ -2780,7 +2780,7 @@
           <a:p>
             <a:fld id="{C1BEFDB8-C83E-451A-8C3E-B7D926492642}" type="datetimeFigureOut">
               <a:rPr lang="en-US" smtClean="0"/>
-              <a:t>6/5/2024</a:t>
+              <a:t>6/7/2024</a:t>
             </a:fld>
             <a:endParaRPr lang="en-US"/>
           </a:p>
@@ -2997,7 +2997,7 @@
           <a:p>
             <a:fld id="{C1BEFDB8-C83E-451A-8C3E-B7D926492642}" type="datetimeFigureOut">
               <a:rPr lang="en-US" smtClean="0"/>
-              <a:t>6/5/2024</a:t>
+              <a:t>6/7/2024</a:t>
             </a:fld>
             <a:endParaRPr lang="en-US"/>
           </a:p>
@@ -3641,7 +3641,7 @@
           <p:nvPr>
             <p:extLst>
               <p:ext uri="{D42A27DB-BD31-4B8C-83A1-F6EECF244321}">
-                <p14:modId xmlns:p14="http://schemas.microsoft.com/office/powerpoint/2010/main" val="726832115"/>
+                <p14:modId xmlns:p14="http://schemas.microsoft.com/office/powerpoint/2010/main" val="1325087382"/>
               </p:ext>
             </p:extLst>
           </p:nvPr>
@@ -3707,7 +3707,7 @@
                       <a:endParaRPr lang="en-US" sz="1600" dirty="0"/>
                     </a:p>
                   </a:txBody>
-                  <a:tcPr/>
+                  <a:tcPr anchor="ctr"/>
                 </a:tc>
                 <a:tc>
                   <a:txBody>
@@ -3728,7 +3728,7 @@
                       </a:r>
                     </a:p>
                   </a:txBody>
-                  <a:tcPr/>
+                  <a:tcPr anchor="ctr"/>
                 </a:tc>
                 <a:tc>
                   <a:txBody>
@@ -3743,7 +3743,7 @@
                       <a:endParaRPr lang="en-US" sz="1600" dirty="0"/>
                     </a:p>
                   </a:txBody>
-                  <a:tcPr/>
+                  <a:tcPr anchor="ctr"/>
                 </a:tc>
                 <a:tc>
                   <a:txBody>
@@ -3758,7 +3758,7 @@
                       <a:endParaRPr lang="en-US" sz="1600" dirty="0"/>
                     </a:p>
                   </a:txBody>
-                  <a:tcPr/>
+                  <a:tcPr anchor="ctr"/>
                 </a:tc>
                 <a:tc>
                   <a:txBody>
@@ -3789,7 +3789,7 @@
                       <a:endParaRPr lang="en-US" sz="1600" dirty="0"/>
                     </a:p>
                   </a:txBody>
-                  <a:tcPr/>
+                  <a:tcPr anchor="ctr"/>
                 </a:tc>
                 <a:extLst>
                   <a:ext uri="{0D108BD9-81ED-4DB2-BD59-A6C34878D82A}">
@@ -3820,7 +3820,7 @@
                       <a:endParaRPr lang="en-US" dirty="0"/>
                     </a:p>
                   </a:txBody>
-                  <a:tcPr/>
+                  <a:tcPr anchor="ctr"/>
                 </a:tc>
                 <a:tc>
                   <a:txBody>
@@ -3842,7 +3842,7 @@
                       <a:endParaRPr lang="en-US" sz="1600" dirty="0"/>
                     </a:p>
                   </a:txBody>
-                  <a:tcPr/>
+                  <a:tcPr anchor="ctr"/>
                 </a:tc>
                 <a:tc>
                   <a:txBody>
@@ -3852,7 +3852,7 @@
                       <a:endParaRPr lang="en-US" dirty="0"/>
                     </a:p>
                   </a:txBody>
-                  <a:tcPr/>
+                  <a:tcPr anchor="ctr"/>
                 </a:tc>
                 <a:tc>
                   <a:txBody>
@@ -3887,7 +3887,7 @@
                       <a:endParaRPr lang="en-US" sz="1600" dirty="0"/>
                     </a:p>
                   </a:txBody>
-                  <a:tcPr/>
+                  <a:tcPr anchor="ctr"/>
                 </a:tc>
                 <a:extLst>
                   <a:ext uri="{0D108BD9-81ED-4DB2-BD59-A6C34878D82A}">
@@ -3919,7 +3919,7 @@
                       <a:endParaRPr lang="en-US" dirty="0"/>
                     </a:p>
                   </a:txBody>
-                  <a:tcPr/>
+                  <a:tcPr anchor="ctr"/>
                 </a:tc>
                 <a:tc>
                   <a:txBody>
@@ -3935,12 +3935,12 @@
                           <a:ea typeface="+mn-ea"/>
                           <a:cs typeface="+mn-cs"/>
                         </a:rPr>
-                        <a:t>Methyltransferase that catalyzes the formation of N7-methylguanine at position 46 (m7G46) in tRNA, a modification required to maintain stability of tRNAs; </a:t>
+                        <a:t>Methyltransferase that catalyzes the formation of N7-methylguanine at position 46 (m7G46) in tRNA, a modification required to maintain stability of tRNAs.</a:t>
                       </a:r>
                       <a:endParaRPr lang="en-US" sz="1600" dirty="0"/>
                     </a:p>
                   </a:txBody>
-                  <a:tcPr/>
+                  <a:tcPr anchor="ctr"/>
                 </a:tc>
                 <a:tc>
                   <a:txBody>
@@ -3950,7 +3950,7 @@
                       <a:endParaRPr lang="en-US" dirty="0"/>
                     </a:p>
                   </a:txBody>
-                  <a:tcPr/>
+                  <a:tcPr anchor="ctr"/>
                 </a:tc>
                 <a:tc>
                   <a:txBody>
@@ -3981,7 +3981,7 @@
                       <a:endParaRPr lang="en-US" sz="1600" dirty="0"/>
                     </a:p>
                   </a:txBody>
-                  <a:tcPr/>
+                  <a:tcPr anchor="ctr"/>
                 </a:tc>
                 <a:extLst>
                   <a:ext uri="{0D108BD9-81ED-4DB2-BD59-A6C34878D82A}">
@@ -4027,7 +4027,7 @@
                       </a:endParaRPr>
                     </a:p>
                   </a:txBody>
-                  <a:tcPr/>
+                  <a:tcPr anchor="ctr"/>
                 </a:tc>
                 <a:tc>
                   <a:txBody>
@@ -4049,7 +4049,7 @@
                       </a:endParaRPr>
                     </a:p>
                   </a:txBody>
-                  <a:tcPr/>
+                  <a:tcPr anchor="ctr"/>
                 </a:tc>
                 <a:tc>
                   <a:txBody>
@@ -4059,7 +4059,7 @@
                       <a:endParaRPr lang="en-US" dirty="0"/>
                     </a:p>
                   </a:txBody>
-                  <a:tcPr/>
+                  <a:tcPr anchor="ctr"/>
                 </a:tc>
                 <a:tc>
                   <a:txBody>
@@ -4080,7 +4080,7 @@
                       </a:r>
                     </a:p>
                   </a:txBody>
-                  <a:tcPr/>
+                  <a:tcPr anchor="ctr"/>
                 </a:tc>
                 <a:extLst>
                   <a:ext uri="{0D108BD9-81ED-4DB2-BD59-A6C34878D82A}">
@@ -4096,8 +4096,472 @@
                     <a:p>
                       <a:pPr algn="ctr"/>
                       <a:r>
-                        <a:rPr lang="en-US" sz="1600" b="1" dirty="0"/>
-                        <a:t>YKL103C</a:t>
+                        <a:rPr lang="sr-Latn-BA" sz="1600" b="1" kern="1200" dirty="0">
+                          <a:solidFill>
+                            <a:schemeClr val="dk1"/>
+                          </a:solidFill>
+                          <a:latin typeface="+mn-lt"/>
+                          <a:ea typeface="+mn-ea"/>
+                          <a:cs typeface="+mn-cs"/>
+                        </a:rPr>
+                        <a:t>YKL172W</a:t>
+                      </a:r>
+                      <a:endParaRPr lang="en-US" sz="1600" b="1" kern="1200" dirty="0">
+                        <a:solidFill>
+                          <a:schemeClr val="dk1"/>
+                        </a:solidFill>
+                        <a:latin typeface="+mn-lt"/>
+                        <a:ea typeface="+mn-ea"/>
+                        <a:cs typeface="+mn-cs"/>
+                      </a:endParaRPr>
+                    </a:p>
+                  </a:txBody>
+                  <a:tcPr anchor="ctr"/>
+                </a:tc>
+                <a:tc>
+                  <a:txBody>
+                    <a:bodyPr/>
+                    <a:lstStyle/>
+                    <a:p>
+                      <a:endParaRPr lang="en-US" dirty="0"/>
+                    </a:p>
+                  </a:txBody>
+                  <a:tcPr anchor="ctr"/>
+                </a:tc>
+                <a:tc>
+                  <a:txBody>
+                    <a:bodyPr/>
+                    <a:lstStyle/>
+                    <a:p>
+                      <a:pPr marL="0" algn="l" defTabSz="914400" rtl="0" eaLnBrk="1" latinLnBrk="0" hangingPunct="1"/>
+                      <a:r>
+                        <a:rPr lang="sr-Latn-BA" sz="1600" kern="1200" dirty="0" err="1">
+                          <a:solidFill>
+                            <a:schemeClr val="dk1"/>
+                          </a:solidFill>
+                          <a:latin typeface="+mn-lt"/>
+                          <a:ea typeface="+mn-ea"/>
+                          <a:cs typeface="+mn-cs"/>
+                        </a:rPr>
+                        <a:t>Required</a:t>
+                      </a:r>
+                      <a:r>
+                        <a:rPr lang="sr-Latn-BA" sz="1600" kern="1200" dirty="0">
+                          <a:solidFill>
+                            <a:schemeClr val="dk1"/>
+                          </a:solidFill>
+                          <a:latin typeface="+mn-lt"/>
+                          <a:ea typeface="+mn-ea"/>
+                          <a:cs typeface="+mn-cs"/>
+                        </a:rPr>
+                        <a:t> </a:t>
+                      </a:r>
+                      <a:r>
+                        <a:rPr lang="sr-Latn-BA" sz="1600" kern="1200" dirty="0" err="1">
+                          <a:solidFill>
+                            <a:schemeClr val="dk1"/>
+                          </a:solidFill>
+                          <a:latin typeface="+mn-lt"/>
+                          <a:ea typeface="+mn-ea"/>
+                          <a:cs typeface="+mn-cs"/>
+                        </a:rPr>
+                        <a:t>for</a:t>
+                      </a:r>
+                      <a:r>
+                        <a:rPr lang="sr-Latn-BA" sz="1600" kern="1200" dirty="0">
+                          <a:solidFill>
+                            <a:schemeClr val="dk1"/>
+                          </a:solidFill>
+                          <a:latin typeface="+mn-lt"/>
+                          <a:ea typeface="+mn-ea"/>
+                          <a:cs typeface="+mn-cs"/>
+                        </a:rPr>
+                        <a:t> </a:t>
+                      </a:r>
+                      <a:r>
+                        <a:rPr lang="sr-Latn-BA" sz="1600" kern="1200" dirty="0" err="1">
+                          <a:solidFill>
+                            <a:schemeClr val="dk1"/>
+                          </a:solidFill>
+                          <a:latin typeface="+mn-lt"/>
+                          <a:ea typeface="+mn-ea"/>
+                          <a:cs typeface="+mn-cs"/>
+                        </a:rPr>
+                        <a:t>the</a:t>
+                      </a:r>
+                      <a:r>
+                        <a:rPr lang="sr-Latn-BA" sz="1600" kern="1200" dirty="0">
+                          <a:solidFill>
+                            <a:schemeClr val="dk1"/>
+                          </a:solidFill>
+                          <a:latin typeface="+mn-lt"/>
+                          <a:ea typeface="+mn-ea"/>
+                          <a:cs typeface="+mn-cs"/>
+                        </a:rPr>
+                        <a:t> </a:t>
+                      </a:r>
+                      <a:r>
+                        <a:rPr lang="sr-Latn-BA" sz="1600" kern="1200" dirty="0" err="1">
+                          <a:solidFill>
+                            <a:schemeClr val="dk1"/>
+                          </a:solidFill>
+                          <a:latin typeface="+mn-lt"/>
+                          <a:ea typeface="+mn-ea"/>
+                          <a:cs typeface="+mn-cs"/>
+                        </a:rPr>
+                        <a:t>processing</a:t>
+                      </a:r>
+                      <a:r>
+                        <a:rPr lang="sr-Latn-BA" sz="1600" kern="1200" dirty="0">
+                          <a:solidFill>
+                            <a:schemeClr val="dk1"/>
+                          </a:solidFill>
+                          <a:latin typeface="+mn-lt"/>
+                          <a:ea typeface="+mn-ea"/>
+                          <a:cs typeface="+mn-cs"/>
+                        </a:rPr>
+                        <a:t> </a:t>
+                      </a:r>
+                      <a:r>
+                        <a:rPr lang="sr-Latn-BA" sz="1600" kern="1200" dirty="0" err="1">
+                          <a:solidFill>
+                            <a:schemeClr val="dk1"/>
+                          </a:solidFill>
+                          <a:latin typeface="+mn-lt"/>
+                          <a:ea typeface="+mn-ea"/>
+                          <a:cs typeface="+mn-cs"/>
+                        </a:rPr>
+                        <a:t>of</a:t>
+                      </a:r>
+                      <a:r>
+                        <a:rPr lang="sr-Latn-BA" sz="1600" kern="1200" dirty="0">
+                          <a:solidFill>
+                            <a:schemeClr val="dk1"/>
+                          </a:solidFill>
+                          <a:latin typeface="+mn-lt"/>
+                          <a:ea typeface="+mn-ea"/>
+                          <a:cs typeface="+mn-cs"/>
+                        </a:rPr>
+                        <a:t> </a:t>
+                      </a:r>
+                      <a:r>
+                        <a:rPr lang="sr-Latn-BA" sz="1600" kern="1200" dirty="0" err="1">
+                          <a:solidFill>
+                            <a:schemeClr val="dk1"/>
+                          </a:solidFill>
+                          <a:latin typeface="+mn-lt"/>
+                          <a:ea typeface="+mn-ea"/>
+                          <a:cs typeface="+mn-cs"/>
+                        </a:rPr>
+                        <a:t>the</a:t>
+                      </a:r>
+                      <a:r>
+                        <a:rPr lang="sr-Latn-BA" sz="1600" kern="1200" dirty="0">
+                          <a:solidFill>
+                            <a:schemeClr val="dk1"/>
+                          </a:solidFill>
+                          <a:latin typeface="+mn-lt"/>
+                          <a:ea typeface="+mn-ea"/>
+                          <a:cs typeface="+mn-cs"/>
+                        </a:rPr>
+                        <a:t> 27S </a:t>
+                      </a:r>
+                      <a:r>
+                        <a:rPr lang="sr-Latn-BA" sz="1600" kern="1200" dirty="0" err="1">
+                          <a:solidFill>
+                            <a:schemeClr val="dk1"/>
+                          </a:solidFill>
+                          <a:latin typeface="+mn-lt"/>
+                          <a:ea typeface="+mn-ea"/>
+                          <a:cs typeface="+mn-cs"/>
+                        </a:rPr>
+                        <a:t>pre-rRNA</a:t>
+                      </a:r>
+                      <a:r>
+                        <a:rPr lang="sr-Latn-BA" sz="1600" kern="1200" dirty="0">
+                          <a:solidFill>
+                            <a:schemeClr val="dk1"/>
+                          </a:solidFill>
+                          <a:latin typeface="+mn-lt"/>
+                          <a:ea typeface="+mn-ea"/>
+                          <a:cs typeface="+mn-cs"/>
+                        </a:rPr>
+                        <a:t>. </a:t>
+                      </a:r>
+                      <a:r>
+                        <a:rPr lang="sr-Latn-BA" sz="1600" kern="1200" dirty="0" err="1">
+                          <a:solidFill>
+                            <a:schemeClr val="dk1"/>
+                          </a:solidFill>
+                          <a:latin typeface="+mn-lt"/>
+                          <a:ea typeface="+mn-ea"/>
+                          <a:cs typeface="+mn-cs"/>
+                        </a:rPr>
+                        <a:t>Probably</a:t>
+                      </a:r>
+                      <a:r>
+                        <a:rPr lang="sr-Latn-BA" sz="1600" kern="1200" dirty="0">
+                          <a:solidFill>
+                            <a:schemeClr val="dk1"/>
+                          </a:solidFill>
+                          <a:latin typeface="+mn-lt"/>
+                          <a:ea typeface="+mn-ea"/>
+                          <a:cs typeface="+mn-cs"/>
+                        </a:rPr>
+                        <a:t> </a:t>
+                      </a:r>
+                      <a:r>
+                        <a:rPr lang="sr-Latn-BA" sz="1600" kern="1200" dirty="0" err="1">
+                          <a:solidFill>
+                            <a:schemeClr val="dk1"/>
+                          </a:solidFill>
+                          <a:latin typeface="+mn-lt"/>
+                          <a:ea typeface="+mn-ea"/>
+                          <a:cs typeface="+mn-cs"/>
+                        </a:rPr>
+                        <a:t>involved</a:t>
+                      </a:r>
+                      <a:r>
+                        <a:rPr lang="sr-Latn-BA" sz="1600" kern="1200" dirty="0">
+                          <a:solidFill>
+                            <a:schemeClr val="dk1"/>
+                          </a:solidFill>
+                          <a:latin typeface="+mn-lt"/>
+                          <a:ea typeface="+mn-ea"/>
+                          <a:cs typeface="+mn-cs"/>
+                        </a:rPr>
+                        <a:t> in </a:t>
+                      </a:r>
+                      <a:r>
+                        <a:rPr lang="sr-Latn-BA" sz="1600" kern="1200" dirty="0" err="1">
+                          <a:solidFill>
+                            <a:schemeClr val="dk1"/>
+                          </a:solidFill>
+                          <a:latin typeface="+mn-lt"/>
+                          <a:ea typeface="+mn-ea"/>
+                          <a:cs typeface="+mn-cs"/>
+                        </a:rPr>
+                        <a:t>the</a:t>
+                      </a:r>
+                      <a:r>
+                        <a:rPr lang="sr-Latn-BA" sz="1600" kern="1200" dirty="0">
+                          <a:solidFill>
+                            <a:schemeClr val="dk1"/>
+                          </a:solidFill>
+                          <a:latin typeface="+mn-lt"/>
+                          <a:ea typeface="+mn-ea"/>
+                          <a:cs typeface="+mn-cs"/>
+                        </a:rPr>
+                        <a:t> </a:t>
+                      </a:r>
+                      <a:r>
+                        <a:rPr lang="sr-Latn-BA" sz="1600" kern="1200" dirty="0" err="1">
+                          <a:solidFill>
+                            <a:schemeClr val="dk1"/>
+                          </a:solidFill>
+                          <a:latin typeface="+mn-lt"/>
+                          <a:ea typeface="+mn-ea"/>
+                          <a:cs typeface="+mn-cs"/>
+                        </a:rPr>
+                        <a:t>step</a:t>
+                      </a:r>
+                      <a:r>
+                        <a:rPr lang="sr-Latn-BA" sz="1600" kern="1200" dirty="0">
+                          <a:solidFill>
+                            <a:schemeClr val="dk1"/>
+                          </a:solidFill>
+                          <a:latin typeface="+mn-lt"/>
+                          <a:ea typeface="+mn-ea"/>
+                          <a:cs typeface="+mn-cs"/>
+                        </a:rPr>
+                        <a:t> </a:t>
+                      </a:r>
+                      <a:r>
+                        <a:rPr lang="sr-Latn-BA" sz="1600" kern="1200" dirty="0" err="1">
+                          <a:solidFill>
+                            <a:schemeClr val="dk1"/>
+                          </a:solidFill>
+                          <a:latin typeface="+mn-lt"/>
+                          <a:ea typeface="+mn-ea"/>
+                          <a:cs typeface="+mn-cs"/>
+                        </a:rPr>
+                        <a:t>of</a:t>
+                      </a:r>
+                      <a:r>
+                        <a:rPr lang="sr-Latn-BA" sz="1600" kern="1200" dirty="0">
+                          <a:solidFill>
+                            <a:schemeClr val="dk1"/>
+                          </a:solidFill>
+                          <a:latin typeface="+mn-lt"/>
+                          <a:ea typeface="+mn-ea"/>
+                          <a:cs typeface="+mn-cs"/>
+                        </a:rPr>
+                        <a:t> </a:t>
+                      </a:r>
+                      <a:r>
+                        <a:rPr lang="sr-Latn-BA" sz="1600" kern="1200" dirty="0" err="1">
+                          <a:solidFill>
+                            <a:schemeClr val="dk1"/>
+                          </a:solidFill>
+                          <a:latin typeface="+mn-lt"/>
+                          <a:ea typeface="+mn-ea"/>
+                          <a:cs typeface="+mn-cs"/>
+                        </a:rPr>
+                        <a:t>the</a:t>
+                      </a:r>
+                      <a:r>
+                        <a:rPr lang="sr-Latn-BA" sz="1600" kern="1200" dirty="0">
+                          <a:solidFill>
+                            <a:schemeClr val="dk1"/>
+                          </a:solidFill>
+                          <a:latin typeface="+mn-lt"/>
+                          <a:ea typeface="+mn-ea"/>
+                          <a:cs typeface="+mn-cs"/>
+                        </a:rPr>
+                        <a:t> </a:t>
+                      </a:r>
+                      <a:r>
+                        <a:rPr lang="sr-Latn-BA" sz="1600" kern="1200" dirty="0" err="1">
+                          <a:solidFill>
+                            <a:schemeClr val="dk1"/>
+                          </a:solidFill>
+                          <a:latin typeface="+mn-lt"/>
+                          <a:ea typeface="+mn-ea"/>
+                          <a:cs typeface="+mn-cs"/>
+                        </a:rPr>
+                        <a:t>processing</a:t>
+                      </a:r>
+                      <a:r>
+                        <a:rPr lang="sr-Latn-BA" sz="1600" kern="1200" dirty="0">
+                          <a:solidFill>
+                            <a:schemeClr val="dk1"/>
+                          </a:solidFill>
+                          <a:latin typeface="+mn-lt"/>
+                          <a:ea typeface="+mn-ea"/>
+                          <a:cs typeface="+mn-cs"/>
+                        </a:rPr>
+                        <a:t> </a:t>
+                      </a:r>
+                      <a:r>
+                        <a:rPr lang="sr-Latn-BA" sz="1600" kern="1200" dirty="0" err="1">
+                          <a:solidFill>
+                            <a:schemeClr val="dk1"/>
+                          </a:solidFill>
+                          <a:latin typeface="+mn-lt"/>
+                          <a:ea typeface="+mn-ea"/>
+                          <a:cs typeface="+mn-cs"/>
+                        </a:rPr>
+                        <a:t>of</a:t>
+                      </a:r>
+                      <a:r>
+                        <a:rPr lang="sr-Latn-BA" sz="1600" kern="1200" dirty="0">
+                          <a:solidFill>
+                            <a:schemeClr val="dk1"/>
+                          </a:solidFill>
+                          <a:latin typeface="+mn-lt"/>
+                          <a:ea typeface="+mn-ea"/>
+                          <a:cs typeface="+mn-cs"/>
+                        </a:rPr>
+                        <a:t> </a:t>
+                      </a:r>
+                      <a:r>
+                        <a:rPr lang="sr-Latn-BA" sz="1600" kern="1200" dirty="0" err="1">
+                          <a:solidFill>
+                            <a:schemeClr val="dk1"/>
+                          </a:solidFill>
+                          <a:latin typeface="+mn-lt"/>
+                          <a:ea typeface="+mn-ea"/>
+                          <a:cs typeface="+mn-cs"/>
+                        </a:rPr>
+                        <a:t>the</a:t>
+                      </a:r>
+                      <a:r>
+                        <a:rPr lang="sr-Latn-BA" sz="1600" kern="1200" dirty="0">
+                          <a:solidFill>
+                            <a:schemeClr val="dk1"/>
+                          </a:solidFill>
+                          <a:latin typeface="+mn-lt"/>
+                          <a:ea typeface="+mn-ea"/>
+                          <a:cs typeface="+mn-cs"/>
+                        </a:rPr>
+                        <a:t> 27 SA </a:t>
+                      </a:r>
+                      <a:r>
+                        <a:rPr lang="sr-Latn-BA" sz="1600" kern="1200" dirty="0" err="1">
+                          <a:solidFill>
+                            <a:schemeClr val="dk1"/>
+                          </a:solidFill>
+                          <a:latin typeface="+mn-lt"/>
+                          <a:ea typeface="+mn-ea"/>
+                          <a:cs typeface="+mn-cs"/>
+                        </a:rPr>
+                        <a:t>precursor</a:t>
+                      </a:r>
+                      <a:r>
+                        <a:rPr lang="sr-Latn-BA" sz="1600" kern="1200" dirty="0">
+                          <a:solidFill>
+                            <a:schemeClr val="dk1"/>
+                          </a:solidFill>
+                          <a:latin typeface="+mn-lt"/>
+                          <a:ea typeface="+mn-ea"/>
+                          <a:cs typeface="+mn-cs"/>
+                        </a:rPr>
+                        <a:t> in </a:t>
+                      </a:r>
+                      <a:r>
+                        <a:rPr lang="sr-Latn-BA" sz="1600" kern="1200" dirty="0" err="1">
+                          <a:solidFill>
+                            <a:schemeClr val="dk1"/>
+                          </a:solidFill>
+                          <a:latin typeface="+mn-lt"/>
+                          <a:ea typeface="+mn-ea"/>
+                          <a:cs typeface="+mn-cs"/>
+                        </a:rPr>
+                        <a:t>the</a:t>
+                      </a:r>
+                      <a:r>
+                        <a:rPr lang="sr-Latn-BA" sz="1600" kern="1200" dirty="0">
+                          <a:solidFill>
+                            <a:schemeClr val="dk1"/>
+                          </a:solidFill>
+                          <a:latin typeface="+mn-lt"/>
+                          <a:ea typeface="+mn-ea"/>
+                          <a:cs typeface="+mn-cs"/>
+                        </a:rPr>
+                        <a:t> 27 SB </a:t>
+                      </a:r>
+                      <a:r>
+                        <a:rPr lang="sr-Latn-BA" sz="1600" kern="1200" dirty="0" err="1">
+                          <a:solidFill>
+                            <a:schemeClr val="dk1"/>
+                          </a:solidFill>
+                          <a:latin typeface="+mn-lt"/>
+                          <a:ea typeface="+mn-ea"/>
+                          <a:cs typeface="+mn-cs"/>
+                        </a:rPr>
+                        <a:t>intermedia</a:t>
+                      </a:r>
+                      <a:r>
+                        <a:rPr lang="en-US" sz="1600" kern="1200" dirty="0" err="1">
+                          <a:solidFill>
+                            <a:schemeClr val="dk1"/>
+                          </a:solidFill>
+                          <a:latin typeface="+mn-lt"/>
+                          <a:ea typeface="+mn-ea"/>
+                          <a:cs typeface="+mn-cs"/>
+                        </a:rPr>
+                        <a:t>te</a:t>
+                      </a:r>
+                      <a:r>
+                        <a:rPr lang="en-US" sz="1600" kern="1200" dirty="0">
+                          <a:solidFill>
+                            <a:schemeClr val="dk1"/>
+                          </a:solidFill>
+                          <a:latin typeface="+mn-lt"/>
+                          <a:ea typeface="+mn-ea"/>
+                          <a:cs typeface="+mn-cs"/>
+                        </a:rPr>
+                        <a:t>.</a:t>
                       </a:r>
                     </a:p>
                   </a:txBody>
@@ -4111,38 +4575,7 @@
                       <a:endParaRPr lang="en-US" dirty="0"/>
                     </a:p>
                   </a:txBody>
-                  <a:tcPr/>
-                </a:tc>
-                <a:tc>
-                  <a:txBody>
-                    <a:bodyPr/>
-                    <a:lstStyle/>
-                    <a:p>
-                      <a:r>
-                        <a:rPr lang="en-US" sz="1600" b="0" i="0" kern="1200" dirty="0">
-                          <a:solidFill>
-                            <a:schemeClr val="dk1"/>
-                          </a:solidFill>
-                          <a:effectLst/>
-                          <a:latin typeface="+mn-lt"/>
-                          <a:ea typeface="+mn-ea"/>
-                          <a:cs typeface="+mn-cs"/>
-                        </a:rPr>
-                        <a:t>Resident vacuolar enzyme that catalyzes the removal of amino acids from the N-terminus of peptides and proteins.</a:t>
-                      </a:r>
-                    </a:p>
-                  </a:txBody>
-                  <a:tcPr/>
-                </a:tc>
-                <a:tc>
-                  <a:txBody>
-                    <a:bodyPr/>
-                    <a:lstStyle/>
-                    <a:p>
-                      <a:endParaRPr lang="en-US" dirty="0"/>
-                    </a:p>
-                  </a:txBody>
-                  <a:tcPr/>
+                  <a:tcPr anchor="ctr"/>
                 </a:tc>
                 <a:tc>
                   <a:txBody>
@@ -4151,45 +4584,49 @@
                     <a:p>
                       <a:pPr algn="ctr"/>
                       <a:r>
-                        <a:rPr lang="sr-Latn-BA" sz="1600" b="0" i="0" kern="1200" dirty="0">
+                        <a:rPr lang="sr-Latn-BA" sz="1600" kern="1200" dirty="0" err="1">
                           <a:solidFill>
                             <a:schemeClr val="dk1"/>
                           </a:solidFill>
-                          <a:effectLst/>
                           <a:latin typeface="+mn-lt"/>
                           <a:ea typeface="+mn-ea"/>
                           <a:cs typeface="+mn-cs"/>
                         </a:rPr>
-                        <a:t>V</a:t>
+                        <a:t>Nucleus</a:t>
                       </a:r>
                       <a:r>
-                        <a:rPr lang="en-US" sz="1600" b="0" i="0" kern="1200" dirty="0" err="1">
+                        <a:rPr lang="sr-Latn-BA" sz="1600" kern="1200" dirty="0">
                           <a:solidFill>
                             <a:schemeClr val="dk1"/>
                           </a:solidFill>
-                          <a:effectLst/>
                           <a:latin typeface="+mn-lt"/>
                           <a:ea typeface="+mn-ea"/>
                           <a:cs typeface="+mn-cs"/>
                         </a:rPr>
-                        <a:t>acuole</a:t>
+                        <a:t>, </a:t>
                       </a:r>
                       <a:r>
-                        <a:rPr lang="en-US" sz="1600" b="0" i="0" kern="1200" dirty="0">
+                        <a:rPr lang="sr-Latn-BA" sz="1600" kern="1200" dirty="0" err="1">
                           <a:solidFill>
                             <a:schemeClr val="dk1"/>
                           </a:solidFill>
-                          <a:effectLst/>
                           <a:latin typeface="+mn-lt"/>
                           <a:ea typeface="+mn-ea"/>
                           <a:cs typeface="+mn-cs"/>
                         </a:rPr>
-                        <a:t> </a:t>
+                        <a:t>nucleolus</a:t>
                       </a:r>
-                      <a:endParaRPr lang="en-US" sz="1600" dirty="0"/>
+                      <a:endParaRPr lang="en-US" sz="1600" kern="1200" dirty="0">
+                        <a:solidFill>
+                          <a:schemeClr val="dk1"/>
+                        </a:solidFill>
+                        <a:latin typeface="+mn-lt"/>
+                        <a:ea typeface="+mn-ea"/>
+                        <a:cs typeface="+mn-cs"/>
+                      </a:endParaRPr>
                     </a:p>
                   </a:txBody>
-                  <a:tcPr/>
+                  <a:tcPr anchor="ctr"/>
                 </a:tc>
                 <a:extLst>
                   <a:ext uri="{0D108BD9-81ED-4DB2-BD59-A6C34878D82A}">
@@ -4382,66 +4819,6 @@
       </p:pic>
       <p:pic>
         <p:nvPicPr>
-          <p:cNvPr id="18" name="Picture 17"/>
-          <p:cNvPicPr>
-            <a:picLocks noChangeAspect="1"/>
-          </p:cNvPicPr>
-          <p:nvPr/>
-        </p:nvPicPr>
-        <p:blipFill>
-          <a:blip r:embed="rId9" cstate="print">
-            <a:extLst>
-              <a:ext uri="{28A0092B-C50C-407E-A947-70E740481C1C}">
-                <a14:useLocalDpi xmlns:a14="http://schemas.microsoft.com/office/drawing/2010/main" val="0"/>
-              </a:ext>
-            </a:extLst>
-          </a:blip>
-          <a:stretch>
-            <a:fillRect/>
-          </a:stretch>
-        </p:blipFill>
-        <p:spPr>
-          <a:xfrm>
-            <a:off x="1407136" y="5917555"/>
-            <a:ext cx="3358222" cy="792033"/>
-          </a:xfrm>
-          <a:prstGeom prst="rect">
-            <a:avLst/>
-          </a:prstGeom>
-        </p:spPr>
-      </p:pic>
-      <p:pic>
-        <p:nvPicPr>
-          <p:cNvPr id="19" name="Picture 18"/>
-          <p:cNvPicPr>
-            <a:picLocks noChangeAspect="1"/>
-          </p:cNvPicPr>
-          <p:nvPr/>
-        </p:nvPicPr>
-        <p:blipFill>
-          <a:blip r:embed="rId10" cstate="print">
-            <a:extLst>
-              <a:ext uri="{28A0092B-C50C-407E-A947-70E740481C1C}">
-                <a14:useLocalDpi xmlns:a14="http://schemas.microsoft.com/office/drawing/2010/main" val="0"/>
-              </a:ext>
-            </a:extLst>
-          </a:blip>
-          <a:stretch>
-            <a:fillRect/>
-          </a:stretch>
-        </p:blipFill>
-        <p:spPr>
-          <a:xfrm>
-            <a:off x="9366911" y="5866519"/>
-            <a:ext cx="922633" cy="748081"/>
-          </a:xfrm>
-          <a:prstGeom prst="rect">
-            <a:avLst/>
-          </a:prstGeom>
-        </p:spPr>
-      </p:pic>
-      <p:pic>
-        <p:nvPicPr>
           <p:cNvPr id="14" name="Picture 2" descr="https://assets-global.website-files.com/621e95f9ac30687a56e4297e/64a8d750505cf8e707066669_V2_1676215759712_7b2330a6-df89-49b4-be67-3b44bfb50040.png">
             <a:extLst>
               <a:ext uri="{FF2B5EF4-FFF2-40B4-BE49-F238E27FC236}">
@@ -4455,7 +4832,7 @@
           <p:nvPr/>
         </p:nvPicPr>
         <p:blipFill rotWithShape="1">
-          <a:blip r:embed="rId11" cstate="print">
+          <a:blip r:embed="rId9" cstate="print">
             <a:extLst>
               <a:ext uri="{28A0092B-C50C-407E-A947-70E740481C1C}">
                 <a14:useLocalDpi xmlns:a14="http://schemas.microsoft.com/office/drawing/2010/main" val="0"/>
@@ -4500,7 +4877,7 @@
           <p:nvPr/>
         </p:nvPicPr>
         <p:blipFill rotWithShape="1">
-          <a:blip r:embed="rId11" cstate="print">
+          <a:blip r:embed="rId9" cstate="print">
             <a:extLst>
               <a:ext uri="{28A0092B-C50C-407E-A947-70E740481C1C}">
                 <a14:useLocalDpi xmlns:a14="http://schemas.microsoft.com/office/drawing/2010/main" val="0"/>
@@ -5195,7 +5572,7 @@
             </a:r>
             <a:r>
               <a:rPr lang="en-US" dirty="0"/>
-              <a:t>based on features from weighted PPI network and protein sequences;</a:t>
+              <a:t>based on features from weighted PPI network and protein sequences</a:t>
             </a:r>
           </a:p>
         </p:txBody>
@@ -6035,13 +6412,81 @@
               <a:t>Missclasiffied</a:t>
             </a:r>
             <a:r>
-              <a:rPr lang="en-US" b="1" dirty="0"/>
-              <a:t> proteins, NAJAVITI TABELU </a:t>
+              <a:rPr lang="en-US" b="1"/>
+              <a:t> proteins non IDP as IDP</a:t>
             </a:r>
             <a:endParaRPr lang="en-US" dirty="0"/>
           </a:p>
         </p:txBody>
       </p:sp>
+      <p:pic>
+        <p:nvPicPr>
+          <p:cNvPr id="43" name="Picture 42">
+            <a:extLst>
+              <a:ext uri="{FF2B5EF4-FFF2-40B4-BE49-F238E27FC236}">
+                <a16:creationId xmlns:a16="http://schemas.microsoft.com/office/drawing/2014/main" id="{671628B8-F157-4B45-879E-57C1789FD882}"/>
+              </a:ext>
+            </a:extLst>
+          </p:cNvPr>
+          <p:cNvPicPr/>
+          <p:nvPr/>
+        </p:nvPicPr>
+        <p:blipFill>
+          <a:blip r:embed="rId10" cstate="print">
+            <a:extLst>
+              <a:ext uri="{28A0092B-C50C-407E-A947-70E740481C1C}">
+                <a14:useLocalDpi xmlns:a14="http://schemas.microsoft.com/office/drawing/2010/main" val="0"/>
+              </a:ext>
+            </a:extLst>
+          </a:blip>
+          <a:stretch>
+            <a:fillRect/>
+          </a:stretch>
+        </p:blipFill>
+        <p:spPr>
+          <a:xfrm>
+            <a:off x="1405446" y="5964323"/>
+            <a:ext cx="3361397" cy="748080"/>
+          </a:xfrm>
+          <a:prstGeom prst="rect">
+            <a:avLst/>
+          </a:prstGeom>
+        </p:spPr>
+      </p:pic>
+      <p:pic>
+        <p:nvPicPr>
+          <p:cNvPr id="44" name="Picture 43">
+            <a:extLst>
+              <a:ext uri="{FF2B5EF4-FFF2-40B4-BE49-F238E27FC236}">
+                <a16:creationId xmlns:a16="http://schemas.microsoft.com/office/drawing/2014/main" id="{71339399-AF99-4186-A3E5-33495860E767}"/>
+              </a:ext>
+            </a:extLst>
+          </p:cNvPr>
+          <p:cNvPicPr/>
+          <p:nvPr/>
+        </p:nvPicPr>
+        <p:blipFill>
+          <a:blip r:embed="rId11" cstate="print">
+            <a:extLst>
+              <a:ext uri="{28A0092B-C50C-407E-A947-70E740481C1C}">
+                <a14:useLocalDpi xmlns:a14="http://schemas.microsoft.com/office/drawing/2010/main" val="0"/>
+              </a:ext>
+            </a:extLst>
+          </a:blip>
+          <a:stretch>
+            <a:fillRect/>
+          </a:stretch>
+        </p:blipFill>
+        <p:spPr>
+          <a:xfrm>
+            <a:off x="9292230" y="5940941"/>
+            <a:ext cx="997388" cy="697439"/>
+          </a:xfrm>
+          <a:prstGeom prst="rect">
+            <a:avLst/>
+          </a:prstGeom>
+        </p:spPr>
+      </p:pic>
     </p:spTree>
     <p:extLst>
       <p:ext uri="{BB962C8B-B14F-4D97-AF65-F5344CB8AC3E}">
